--- a/posts/2022-01-24-15-emacs-hashtable-multi-value/1.pptx
+++ b/posts/2022-01-24-15-emacs-hashtable-multi-value/1.pptx
@@ -107,7 +107,57 @@
       </a:defRPr>
     </a:lvl9pPr>
   </p:defaultTextStyle>
+  <p:extLst>
+    <p:ext uri="{EFAFB233-063F-42B5-8137-9DF3F51BA10A}">
+      <p15:sldGuideLst xmlns:p15="http://schemas.microsoft.com/office/powerpoint/2012/main"/>
+    </p:ext>
+  </p:extLst>
 </p:presentation>
+</file>
+
+<file path=ppt/changesInfos/changesInfo1.xml><?xml version="1.0" encoding="utf-8"?>
+<pc:chgInfo xmlns:a="http://schemas.openxmlformats.org/drawingml/2006/main" xmlns:r="http://schemas.openxmlformats.org/officeDocument/2006/relationships" xmlns:ac="http://schemas.microsoft.com/office/drawing/2013/main/command" xmlns:pc="http://schemas.microsoft.com/office/powerpoint/2013/main/command">
+  <pc:docChgLst>
+    <pc:chgData name="越 易" userId="da64734563400bd7" providerId="LiveId" clId="{A41A3AD6-0AAF-41DF-9DE7-55FF04F043CD}"/>
+    <pc:docChg chg="undo custSel modSld">
+      <pc:chgData name="越 易" userId="da64734563400bd7" providerId="LiveId" clId="{A41A3AD6-0AAF-41DF-9DE7-55FF04F043CD}" dt="2024-01-13T10:06:52.164" v="16" actId="2"/>
+      <pc:docMkLst>
+        <pc:docMk/>
+      </pc:docMkLst>
+      <pc:sldChg chg="modSp mod">
+        <pc:chgData name="越 易" userId="da64734563400bd7" providerId="LiveId" clId="{A41A3AD6-0AAF-41DF-9DE7-55FF04F043CD}" dt="2024-01-13T10:06:52.164" v="16" actId="2"/>
+        <pc:sldMkLst>
+          <pc:docMk/>
+          <pc:sldMk cId="2839970889" sldId="256"/>
+        </pc:sldMkLst>
+        <pc:spChg chg="mod">
+          <ac:chgData name="越 易" userId="da64734563400bd7" providerId="LiveId" clId="{A41A3AD6-0AAF-41DF-9DE7-55FF04F043CD}" dt="2024-01-13T10:06:52.164" v="16" actId="2"/>
+          <ac:spMkLst>
+            <pc:docMk/>
+            <pc:sldMk cId="2839970889" sldId="256"/>
+            <ac:spMk id="4" creationId="{39B37584-6B63-478E-82A4-BFF92ABAC705}"/>
+          </ac:spMkLst>
+        </pc:spChg>
+        <pc:spChg chg="mod">
+          <ac:chgData name="越 易" userId="da64734563400bd7" providerId="LiveId" clId="{A41A3AD6-0AAF-41DF-9DE7-55FF04F043CD}" dt="2024-01-13T10:04:44.104" v="1" actId="20577"/>
+          <ac:spMkLst>
+            <pc:docMk/>
+            <pc:sldMk cId="2839970889" sldId="256"/>
+            <ac:spMk id="26" creationId="{C06D33BE-51CD-49D8-9CB2-FF8102293791}"/>
+          </ac:spMkLst>
+        </pc:spChg>
+        <pc:cxnChg chg="mod">
+          <ac:chgData name="越 易" userId="da64734563400bd7" providerId="LiveId" clId="{A41A3AD6-0AAF-41DF-9DE7-55FF04F043CD}" dt="2024-01-13T10:05:24.435" v="13" actId="14100"/>
+          <ac:cxnSpMkLst>
+            <pc:docMk/>
+            <pc:sldMk cId="2839970889" sldId="256"/>
+            <ac:cxnSpMk id="23" creationId="{B1C4BFC1-0649-4C88-B79C-B253523AC3AE}"/>
+          </ac:cxnSpMkLst>
+        </pc:cxnChg>
+      </pc:sldChg>
+    </pc:docChg>
+  </pc:docChgLst>
+</pc:chgInfo>
 </file>
 
 <file path=ppt/notesMasters/notesMaster1.xml><?xml version="1.0" encoding="utf-8"?>
@@ -192,7 +242,7 @@
           <a:p>
             <a:fld id="{B79A7A37-AD9E-472A-A243-CA5CC7DDDC5F}" type="datetimeFigureOut">
               <a:rPr lang="zh-CN" altLang="en-US" smtClean="0"/>
-              <a:t>2022/1/24</a:t>
+              <a:t>2024/1/13</a:t>
             </a:fld>
             <a:endParaRPr lang="zh-CN" altLang="en-US"/>
           </a:p>
@@ -690,7 +740,7 @@
           <a:p>
             <a:fld id="{0F3B63BF-8DFA-4296-8D65-8504CEA5454E}" type="datetimeFigureOut">
               <a:rPr lang="zh-CN" altLang="en-US" smtClean="0"/>
-              <a:t>2022/1/24</a:t>
+              <a:t>2024/1/13</a:t>
             </a:fld>
             <a:endParaRPr lang="zh-CN" altLang="en-US"/>
           </a:p>
@@ -888,7 +938,7 @@
           <a:p>
             <a:fld id="{0F3B63BF-8DFA-4296-8D65-8504CEA5454E}" type="datetimeFigureOut">
               <a:rPr lang="zh-CN" altLang="en-US" smtClean="0"/>
-              <a:t>2022/1/24</a:t>
+              <a:t>2024/1/13</a:t>
             </a:fld>
             <a:endParaRPr lang="zh-CN" altLang="en-US"/>
           </a:p>
@@ -1096,7 +1146,7 @@
           <a:p>
             <a:fld id="{0F3B63BF-8DFA-4296-8D65-8504CEA5454E}" type="datetimeFigureOut">
               <a:rPr lang="zh-CN" altLang="en-US" smtClean="0"/>
-              <a:t>2022/1/24</a:t>
+              <a:t>2024/1/13</a:t>
             </a:fld>
             <a:endParaRPr lang="zh-CN" altLang="en-US"/>
           </a:p>
@@ -1294,7 +1344,7 @@
           <a:p>
             <a:fld id="{0F3B63BF-8DFA-4296-8D65-8504CEA5454E}" type="datetimeFigureOut">
               <a:rPr lang="zh-CN" altLang="en-US" smtClean="0"/>
-              <a:t>2022/1/24</a:t>
+              <a:t>2024/1/13</a:t>
             </a:fld>
             <a:endParaRPr lang="zh-CN" altLang="en-US"/>
           </a:p>
@@ -1569,7 +1619,7 @@
           <a:p>
             <a:fld id="{0F3B63BF-8DFA-4296-8D65-8504CEA5454E}" type="datetimeFigureOut">
               <a:rPr lang="zh-CN" altLang="en-US" smtClean="0"/>
-              <a:t>2022/1/24</a:t>
+              <a:t>2024/1/13</a:t>
             </a:fld>
             <a:endParaRPr lang="zh-CN" altLang="en-US"/>
           </a:p>
@@ -1834,7 +1884,7 @@
           <a:p>
             <a:fld id="{0F3B63BF-8DFA-4296-8D65-8504CEA5454E}" type="datetimeFigureOut">
               <a:rPr lang="zh-CN" altLang="en-US" smtClean="0"/>
-              <a:t>2022/1/24</a:t>
+              <a:t>2024/1/13</a:t>
             </a:fld>
             <a:endParaRPr lang="zh-CN" altLang="en-US"/>
           </a:p>
@@ -2246,7 +2296,7 @@
           <a:p>
             <a:fld id="{0F3B63BF-8DFA-4296-8D65-8504CEA5454E}" type="datetimeFigureOut">
               <a:rPr lang="zh-CN" altLang="en-US" smtClean="0"/>
-              <a:t>2022/1/24</a:t>
+              <a:t>2024/1/13</a:t>
             </a:fld>
             <a:endParaRPr lang="zh-CN" altLang="en-US"/>
           </a:p>
@@ -2387,7 +2437,7 @@
           <a:p>
             <a:fld id="{0F3B63BF-8DFA-4296-8D65-8504CEA5454E}" type="datetimeFigureOut">
               <a:rPr lang="zh-CN" altLang="en-US" smtClean="0"/>
-              <a:t>2022/1/24</a:t>
+              <a:t>2024/1/13</a:t>
             </a:fld>
             <a:endParaRPr lang="zh-CN" altLang="en-US"/>
           </a:p>
@@ -2500,7 +2550,7 @@
           <a:p>
             <a:fld id="{0F3B63BF-8DFA-4296-8D65-8504CEA5454E}" type="datetimeFigureOut">
               <a:rPr lang="zh-CN" altLang="en-US" smtClean="0"/>
-              <a:t>2022/1/24</a:t>
+              <a:t>2024/1/13</a:t>
             </a:fld>
             <a:endParaRPr lang="zh-CN" altLang="en-US"/>
           </a:p>
@@ -2811,7 +2861,7 @@
           <a:p>
             <a:fld id="{0F3B63BF-8DFA-4296-8D65-8504CEA5454E}" type="datetimeFigureOut">
               <a:rPr lang="zh-CN" altLang="en-US" smtClean="0"/>
-              <a:t>2022/1/24</a:t>
+              <a:t>2024/1/13</a:t>
             </a:fld>
             <a:endParaRPr lang="zh-CN" altLang="en-US"/>
           </a:p>
@@ -3099,7 +3149,7 @@
           <a:p>
             <a:fld id="{0F3B63BF-8DFA-4296-8D65-8504CEA5454E}" type="datetimeFigureOut">
               <a:rPr lang="zh-CN" altLang="en-US" smtClean="0"/>
-              <a:t>2022/1/24</a:t>
+              <a:t>2024/1/13</a:t>
             </a:fld>
             <a:endParaRPr lang="zh-CN" altLang="en-US"/>
           </a:p>
@@ -3340,7 +3390,7 @@
           <a:p>
             <a:fld id="{0F3B63BF-8DFA-4296-8D65-8504CEA5454E}" type="datetimeFigureOut">
               <a:rPr lang="zh-CN" altLang="en-US" smtClean="0"/>
-              <a:t>2022/1/24</a:t>
+              <a:t>2024/1/13</a:t>
             </a:fld>
             <a:endParaRPr lang="zh-CN" altLang="en-US"/>
           </a:p>
@@ -3924,7 +3974,7 @@
               <a:rPr lang="en-US" altLang="zh-CN" dirty="0">
                 <a:latin typeface="Consolas" panose="020B0609020204030204" pitchFamily="49" charset="0"/>
               </a:rPr>
-              <a:t>(yyhash-put 1.0 14 a)</a:t>
+              <a:t>(yyhash-put 2.0 14 a)</a:t>
             </a:r>
           </a:p>
         </p:txBody>
@@ -5430,18 +5480,19 @@
             </a:extLst>
           </p:cNvPr>
           <p:cNvCxnSpPr>
+            <a:cxnSpLocks/>
             <a:stCxn id="21" idx="2"/>
           </p:cNvCxnSpPr>
           <p:nvPr/>
         </p:nvCxnSpPr>
         <p:spPr>
           <a:xfrm rot="16200000" flipH="1">
-            <a:off x="5708966" y="3668453"/>
-            <a:ext cx="1078866" cy="400051"/>
+            <a:off x="5757276" y="3620144"/>
+            <a:ext cx="1981577" cy="1399380"/>
           </a:xfrm>
           <a:prstGeom prst="curvedConnector3">
             <a:avLst>
-              <a:gd name="adj1" fmla="val 80901"/>
+              <a:gd name="adj1" fmla="val 50000"/>
             </a:avLst>
           </a:prstGeom>
           <a:ln w="57150">
@@ -5539,7 +5590,7 @@
           <a:p>
             <a:r>
               <a:rPr lang="en-US" altLang="zh-CN" sz="2800" dirty="0"/>
-              <a:t>3</a:t>
+              <a:t>4</a:t>
             </a:r>
             <a:endParaRPr lang="zh-CN" altLang="en-US" sz="2800" dirty="0"/>
           </a:p>
